--- a/presentations/slides-119-BRSKI-AE.pptx
+++ b/presentations/slides-119-BRSKI-AE.pptx
@@ -2522,7 +2522,7 @@
         <p:spPr>
           <a:xfrm>
             <a:off x="536028" y="1532021"/>
-            <a:ext cx="11328493" cy="4876800"/>
+            <a:ext cx="11341340" cy="4876800"/>
           </a:xfrm>
           <a:prstGeom prst="rect">
             <a:avLst/>
@@ -2661,82 +2661,19 @@
                 <a:latin typeface="Calibri"/>
                 <a:cs typeface="Calibri"/>
               </a:rPr>
-              <a:t>By then remained only one </a:t>
-            </a:r>
-            <a:r>
-              <a:rPr lang="en-US" sz="2200" b="1" spc="-1" dirty="0">
-                <a:solidFill>
-                  <a:schemeClr val="tx1">
-                    <a:lumMod val="50000"/>
-                    <a:lumOff val="50000"/>
-                  </a:schemeClr>
-                </a:solidFill>
-                <a:latin typeface="Calibri"/>
-                <a:cs typeface="Calibri"/>
-              </a:rPr>
-              <a:t>open issue, discussed and solved </a:t>
-            </a:r>
-            <a:r>
-              <a:rPr lang="en-US" sz="2200" spc="-1" dirty="0">
-                <a:solidFill>
-                  <a:schemeClr val="tx1">
-                    <a:lumMod val="50000"/>
-                    <a:lumOff val="50000"/>
-                  </a:schemeClr>
-                </a:solidFill>
-                <a:latin typeface="Calibri"/>
-                <a:cs typeface="Calibri"/>
-              </a:rPr>
-              <a:t>during IETF 118: </a:t>
-            </a:r>
-          </a:p>
-          <a:p>
-            <a:pPr lvl="1">
-              <a:spcAft>
-                <a:spcPts val="200"/>
-              </a:spcAft>
-            </a:pPr>
-            <a:r>
-              <a:rPr lang="en-US" sz="2200" spc="-1" dirty="0">
-                <a:solidFill>
-                  <a:schemeClr val="tx1">
-                    <a:lumMod val="50000"/>
-                    <a:lumOff val="50000"/>
-                  </a:schemeClr>
-                </a:solidFill>
-                <a:latin typeface="Calibri"/>
-                <a:cs typeface="Calibri"/>
-              </a:rPr>
-              <a:t>[RFC 8995] not supporting discovery of registrars with enhanced feature sets, as in BRSKI-AE</a:t>
-            </a:r>
-          </a:p>
-          <a:p>
-            <a:pPr>
-              <a:spcAft>
-                <a:spcPts val="200"/>
-              </a:spcAft>
-            </a:pPr>
-            <a:r>
-              <a:rPr lang="en-US" sz="2200" spc="-1" dirty="0">
-                <a:solidFill>
-                  <a:schemeClr val="tx1">
-                    <a:lumMod val="50000"/>
-                    <a:lumOff val="50000"/>
-                  </a:schemeClr>
-                </a:solidFill>
-                <a:latin typeface="Calibri"/>
-                <a:cs typeface="Calibri"/>
-              </a:rPr>
-              <a:t>     Alignment reached in design team:</a:t>
-            </a:r>
-          </a:p>
-          <a:p>
-            <a:pPr marL="800100" lvl="1" indent="-342900">
+              <a:t>Alignment during IETF 118 regarding discovery of registrars with enhanced feature sets:</a:t>
+            </a:r>
+          </a:p>
+          <a:p>
+            <a:pPr marL="628650" lvl="1" indent="-342900">
               <a:spcAft>
                 <a:spcPts val="200"/>
               </a:spcAft>
               <a:buFont typeface="Arial" panose="020B0604020202020204" pitchFamily="34" charset="0"/>
               <a:buChar char="•"/>
+              <a:tabLst>
+                <a:tab pos="628650" algn="l"/>
+              </a:tabLst>
             </a:pPr>
             <a:r>
               <a:rPr lang="en-US" sz="2200" spc="-1" dirty="0">
@@ -2749,7 +2686,34 @@
                 <a:latin typeface="Calibri"/>
                 <a:cs typeface="Calibri"/>
               </a:rPr>
-              <a:t>A general problem, to be solved in a general way, such as by new draft: [</a:t>
+              <a:t>Accepted as general problem </a:t>
+            </a:r>
+            <a:r>
+              <a:rPr lang="en-US" sz="2200" spc="-1" dirty="0">
+                <a:solidFill>
+                  <a:schemeClr val="tx1">
+                    <a:lumMod val="50000"/>
+                    <a:lumOff val="50000"/>
+                  </a:schemeClr>
+                </a:solidFill>
+                <a:latin typeface="Calibri"/>
+                <a:cs typeface="Calibri"/>
+                <a:sym typeface="Wingdings" panose="05000000000000000000" pitchFamily="2" charset="2"/>
+              </a:rPr>
+              <a:t> general solution </a:t>
+            </a:r>
+            <a:r>
+              <a:rPr lang="en-US" sz="2200" spc="-1" dirty="0">
+                <a:solidFill>
+                  <a:schemeClr val="tx1">
+                    <a:lumMod val="50000"/>
+                    <a:lumOff val="50000"/>
+                  </a:schemeClr>
+                </a:solidFill>
+                <a:latin typeface="Calibri"/>
+                <a:cs typeface="Calibri"/>
+              </a:rPr>
+              <a:t>addressed in new draft: [</a:t>
             </a:r>
             <a:r>
               <a:rPr lang="en-US" sz="2200" spc="-1" dirty="0">
@@ -2786,6 +2750,83 @@
             </a:r>
           </a:p>
           <a:p>
+            <a:pPr marL="628650" lvl="1" indent="-342900">
+              <a:spcAft>
+                <a:spcPts val="200"/>
+              </a:spcAft>
+              <a:buFont typeface="Arial" panose="020B0604020202020204" pitchFamily="34" charset="0"/>
+              <a:buChar char="•"/>
+              <a:tabLst>
+                <a:tab pos="628650" algn="l"/>
+              </a:tabLst>
+            </a:pPr>
+            <a:r>
+              <a:rPr lang="en-US" sz="2200" spc="-1" dirty="0">
+                <a:solidFill>
+                  <a:schemeClr val="tx1">
+                    <a:lumMod val="50000"/>
+                    <a:lumOff val="50000"/>
+                  </a:schemeClr>
+                </a:solidFill>
+                <a:latin typeface="Calibri"/>
+                <a:cs typeface="Calibri"/>
+              </a:rPr>
+              <a:t>Absence of general solution handled in BRSKI-AE by specific service name ”</a:t>
+            </a:r>
+            <a:r>
+              <a:rPr lang="en-US" sz="2200" spc="-1" dirty="0" err="1">
+                <a:solidFill>
+                  <a:schemeClr val="tx1">
+                    <a:lumMod val="50000"/>
+                    <a:lumOff val="50000"/>
+                  </a:schemeClr>
+                </a:solidFill>
+                <a:latin typeface="Calibri"/>
+                <a:cs typeface="Calibri"/>
+              </a:rPr>
+              <a:t>brski</a:t>
+            </a:r>
+            <a:r>
+              <a:rPr lang="en-US" sz="2200" spc="-1" dirty="0">
+                <a:solidFill>
+                  <a:schemeClr val="tx1">
+                    <a:lumMod val="50000"/>
+                    <a:lumOff val="50000"/>
+                  </a:schemeClr>
+                </a:solidFill>
+                <a:latin typeface="Calibri"/>
+                <a:cs typeface="Calibri"/>
+              </a:rPr>
+              <a:t>-registrar-</a:t>
+            </a:r>
+            <a:r>
+              <a:rPr lang="en-US" sz="2200" spc="-1" dirty="0" err="1">
+                <a:solidFill>
+                  <a:schemeClr val="tx1">
+                    <a:lumMod val="50000"/>
+                    <a:lumOff val="50000"/>
+                  </a:schemeClr>
+                </a:solidFill>
+                <a:latin typeface="Calibri"/>
+                <a:cs typeface="Calibri"/>
+              </a:rPr>
+              <a:t>cmp</a:t>
+            </a:r>
+            <a:r>
+              <a:rPr lang="en-US" sz="2200" spc="-1" dirty="0">
+                <a:solidFill>
+                  <a:schemeClr val="tx1">
+                    <a:lumMod val="50000"/>
+                    <a:lumOff val="50000"/>
+                  </a:schemeClr>
+                </a:solidFill>
+                <a:latin typeface="Calibri"/>
+                <a:cs typeface="Calibri"/>
+              </a:rPr>
+              <a:t>”</a:t>
+            </a:r>
+          </a:p>
+          <a:p>
             <a:pPr marL="800100" lvl="1" indent="-342900">
               <a:spcAft>
                 <a:spcPts val="200"/>
@@ -2793,71 +2834,16 @@
               <a:buFont typeface="Arial" panose="020B0604020202020204" pitchFamily="34" charset="0"/>
               <a:buChar char="•"/>
             </a:pPr>
-            <a:r>
-              <a:rPr lang="en-US" sz="2200" spc="-1" dirty="0">
-                <a:solidFill>
-                  <a:schemeClr val="tx1">
-                    <a:lumMod val="50000"/>
-                    <a:lumOff val="50000"/>
-                  </a:schemeClr>
-                </a:solidFill>
-                <a:latin typeface="Calibri"/>
-                <a:cs typeface="Calibri"/>
-              </a:rPr>
-              <a:t>Absence of such a solution is handled by specific service name, e.g., ”</a:t>
-            </a:r>
-            <a:r>
-              <a:rPr lang="en-US" sz="2200" spc="-1" dirty="0" err="1">
-                <a:solidFill>
-                  <a:schemeClr val="tx1">
-                    <a:lumMod val="50000"/>
-                    <a:lumOff val="50000"/>
-                  </a:schemeClr>
-                </a:solidFill>
-                <a:latin typeface="Calibri"/>
-                <a:cs typeface="Calibri"/>
-              </a:rPr>
-              <a:t>brski</a:t>
-            </a:r>
-            <a:r>
-              <a:rPr lang="en-US" sz="2200" spc="-1" dirty="0">
-                <a:solidFill>
-                  <a:schemeClr val="tx1">
-                    <a:lumMod val="50000"/>
-                    <a:lumOff val="50000"/>
-                  </a:schemeClr>
-                </a:solidFill>
-                <a:latin typeface="Calibri"/>
-                <a:cs typeface="Calibri"/>
-              </a:rPr>
-              <a:t>-registrar-</a:t>
-            </a:r>
-            <a:r>
-              <a:rPr lang="en-US" sz="2200" spc="-1" dirty="0" err="1">
-                <a:solidFill>
-                  <a:schemeClr val="tx1">
-                    <a:lumMod val="50000"/>
-                    <a:lumOff val="50000"/>
-                  </a:schemeClr>
-                </a:solidFill>
-                <a:latin typeface="Calibri"/>
-                <a:cs typeface="Calibri"/>
-              </a:rPr>
-              <a:t>cmp</a:t>
-            </a:r>
-            <a:r>
-              <a:rPr lang="en-US" sz="2200" spc="-1" dirty="0">
-                <a:solidFill>
-                  <a:schemeClr val="tx1">
-                    <a:lumMod val="50000"/>
-                    <a:lumOff val="50000"/>
-                  </a:schemeClr>
-                </a:solidFill>
-                <a:latin typeface="Calibri"/>
-                <a:cs typeface="Calibri"/>
-              </a:rPr>
-              <a:t>”</a:t>
-            </a:r>
+            <a:endParaRPr lang="en-US" sz="2200" spc="-1" dirty="0">
+              <a:solidFill>
+                <a:schemeClr val="tx1">
+                  <a:lumMod val="50000"/>
+                  <a:lumOff val="50000"/>
+                </a:schemeClr>
+              </a:solidFill>
+              <a:latin typeface="Calibri"/>
+              <a:cs typeface="Calibri"/>
+            </a:endParaRPr>
           </a:p>
           <a:p>
             <a:pPr marL="342900" indent="-342900">
@@ -8683,16 +8669,12 @@
 </file>
 
 <file path=customXml/item1.xml><?xml version="1.0" encoding="utf-8"?>
-<p:properties xmlns:p="http://schemas.microsoft.com/office/2006/metadata/properties" xmlns:xsi="http://www.w3.org/2001/XMLSchema-instance" xmlns:pc="http://schemas.microsoft.com/office/infopath/2007/PartnerControls">
-  <documentManagement>
-    <_ip_UnifiedCompliancePolicyUIAction xmlns="http://schemas.microsoft.com/sharepoint/v3" xsi:nil="true"/>
-    <TaxCatchAll xmlns="56810815-8df0-4f10-8da7-34164765fbe3" xsi:nil="true"/>
-    <_ip_UnifiedCompliancePolicyProperties xmlns="http://schemas.microsoft.com/sharepoint/v3" xsi:nil="true"/>
-    <lcf76f155ced4ddcb4097134ff3c332f xmlns="a9de424c-86b2-47ed-8d4e-0a9b7010e669">
-      <Terms xmlns="http://schemas.microsoft.com/office/infopath/2007/PartnerControls"/>
-    </lcf76f155ced4ddcb4097134ff3c332f>
-  </documentManagement>
-</p:properties>
+<?mso-contentType ?>
+<FormTemplates xmlns="http://schemas.microsoft.com/sharepoint/v3/contenttype/forms">
+  <Display>DocumentLibraryForm</Display>
+  <Edit>DocumentLibraryForm</Edit>
+  <New>DocumentLibraryForm</New>
+</FormTemplates>
 </file>
 
 <file path=customXml/item2.xml><?xml version="1.0" encoding="utf-8"?>
@@ -8961,29 +8943,22 @@
 </file>
 
 <file path=customXml/item3.xml><?xml version="1.0" encoding="utf-8"?>
-<?mso-contentType ?>
-<FormTemplates xmlns="http://schemas.microsoft.com/sharepoint/v3/contenttype/forms">
-  <Display>DocumentLibraryForm</Display>
-  <Edit>DocumentLibraryForm</Edit>
-  <New>DocumentLibraryForm</New>
-</FormTemplates>
+<p:properties xmlns:p="http://schemas.microsoft.com/office/2006/metadata/properties" xmlns:xsi="http://www.w3.org/2001/XMLSchema-instance" xmlns:pc="http://schemas.microsoft.com/office/infopath/2007/PartnerControls">
+  <documentManagement>
+    <_ip_UnifiedCompliancePolicyUIAction xmlns="http://schemas.microsoft.com/sharepoint/v3" xsi:nil="true"/>
+    <TaxCatchAll xmlns="56810815-8df0-4f10-8da7-34164765fbe3" xsi:nil="true"/>
+    <_ip_UnifiedCompliancePolicyProperties xmlns="http://schemas.microsoft.com/sharepoint/v3" xsi:nil="true"/>
+    <lcf76f155ced4ddcb4097134ff3c332f xmlns="a9de424c-86b2-47ed-8d4e-0a9b7010e669">
+      <Terms xmlns="http://schemas.microsoft.com/office/infopath/2007/PartnerControls"/>
+    </lcf76f155ced4ddcb4097134ff3c332f>
+  </documentManagement>
+</p:properties>
 </file>
 
 <file path=customXml/itemProps1.xml><?xml version="1.0" encoding="utf-8"?>
-<ds:datastoreItem xmlns:ds="http://schemas.openxmlformats.org/officeDocument/2006/customXml" ds:itemID="{C176CB81-6753-41D9-B160-D542CFFB89BA}">
+<ds:datastoreItem xmlns:ds="http://schemas.openxmlformats.org/officeDocument/2006/customXml" ds:itemID="{5C6BD9E7-C020-4AD1-A7ED-9C09B3AA4FEA}">
   <ds:schemaRefs>
-    <ds:schemaRef ds:uri="a9de424c-86b2-47ed-8d4e-0a9b7010e669"/>
-    <ds:schemaRef ds:uri="ce079751-a51b-4a27-9376-edf93eae18d5"/>
-    <ds:schemaRef ds:uri="http://purl.org/dc/terms/"/>
-    <ds:schemaRef ds:uri="http://schemas.microsoft.com/office/2006/documentManagement/types"/>
-    <ds:schemaRef ds:uri="http://schemas.microsoft.com/office/infopath/2007/PartnerControls"/>
-    <ds:schemaRef ds:uri="http://schemas.openxmlformats.org/package/2006/metadata/core-properties"/>
-    <ds:schemaRef ds:uri="http://purl.org/dc/elements/1.1/"/>
-    <ds:schemaRef ds:uri="http://schemas.microsoft.com/office/2006/metadata/properties"/>
-    <ds:schemaRef ds:uri="http://schemas.microsoft.com/sharepoint/v3"/>
-    <ds:schemaRef ds:uri="56810815-8df0-4f10-8da7-34164765fbe3"/>
-    <ds:schemaRef ds:uri="http://www.w3.org/XML/1998/namespace"/>
-    <ds:schemaRef ds:uri="http://purl.org/dc/dcmitype/"/>
+    <ds:schemaRef ds:uri="http://schemas.microsoft.com/sharepoint/v3/contenttype/forms"/>
   </ds:schemaRefs>
 </ds:datastoreItem>
 </file>
@@ -9010,9 +8985,20 @@
 </file>
 
 <file path=customXml/itemProps3.xml><?xml version="1.0" encoding="utf-8"?>
-<ds:datastoreItem xmlns:ds="http://schemas.openxmlformats.org/officeDocument/2006/customXml" ds:itemID="{5C6BD9E7-C020-4AD1-A7ED-9C09B3AA4FEA}">
+<ds:datastoreItem xmlns:ds="http://schemas.openxmlformats.org/officeDocument/2006/customXml" ds:itemID="{C176CB81-6753-41D9-B160-D542CFFB89BA}">
   <ds:schemaRefs>
-    <ds:schemaRef ds:uri="http://schemas.microsoft.com/sharepoint/v3/contenttype/forms"/>
+    <ds:schemaRef ds:uri="a9de424c-86b2-47ed-8d4e-0a9b7010e669"/>
+    <ds:schemaRef ds:uri="ce079751-a51b-4a27-9376-edf93eae18d5"/>
+    <ds:schemaRef ds:uri="http://purl.org/dc/terms/"/>
+    <ds:schemaRef ds:uri="http://schemas.microsoft.com/office/2006/documentManagement/types"/>
+    <ds:schemaRef ds:uri="http://schemas.microsoft.com/office/infopath/2007/PartnerControls"/>
+    <ds:schemaRef ds:uri="http://schemas.openxmlformats.org/package/2006/metadata/core-properties"/>
+    <ds:schemaRef ds:uri="http://purl.org/dc/elements/1.1/"/>
+    <ds:schemaRef ds:uri="http://schemas.microsoft.com/office/2006/metadata/properties"/>
+    <ds:schemaRef ds:uri="http://schemas.microsoft.com/sharepoint/v3"/>
+    <ds:schemaRef ds:uri="56810815-8df0-4f10-8da7-34164765fbe3"/>
+    <ds:schemaRef ds:uri="http://www.w3.org/XML/1998/namespace"/>
+    <ds:schemaRef ds:uri="http://purl.org/dc/dcmitype/"/>
   </ds:schemaRefs>
 </ds:datastoreItem>
 </file>

--- a/presentations/slides-119-BRSKI-AE.pptx
+++ b/presentations/slides-119-BRSKI-AE.pptx
@@ -2561,7 +2561,7 @@
               <a:buChar char="•"/>
             </a:pPr>
             <a:r>
-              <a:rPr lang="en-GB" sz="2200" spc="-1" dirty="0">
+              <a:rPr lang="en-GB" sz="2000" spc="-1" dirty="0">
                 <a:solidFill>
                   <a:schemeClr val="tx1">
                     <a:lumMod val="50000"/>
@@ -2574,7 +2574,7 @@
               <a:t>SECDIR Last Call Review completed </a:t>
             </a:r>
             <a:r>
-              <a:rPr lang="en-US" sz="2200" spc="-1" dirty="0">
+              <a:rPr lang="en-US" sz="2000" spc="-1" dirty="0">
                 <a:solidFill>
                   <a:schemeClr val="tx1">
                     <a:lumMod val="50000"/>
@@ -2587,7 +2587,7 @@
               <a:t>by Barry Leiba </a:t>
             </a:r>
             <a:r>
-              <a:rPr lang="en-GB" sz="2200" spc="-1" dirty="0">
+              <a:rPr lang="en-GB" sz="2000" spc="-1" dirty="0">
                 <a:solidFill>
                   <a:schemeClr val="tx1">
                     <a:lumMod val="50000"/>
@@ -2600,7 +2600,7 @@
               <a:t>on Nov 4</a:t>
             </a:r>
             <a:r>
-              <a:rPr lang="en-GB" sz="2200" spc="-1" baseline="30000" dirty="0">
+              <a:rPr lang="en-GB" sz="2000" spc="-1" baseline="30000" dirty="0">
                 <a:solidFill>
                   <a:schemeClr val="tx1">
                     <a:lumMod val="50000"/>
@@ -2613,7 +2613,7 @@
               <a:t>th</a:t>
             </a:r>
             <a:r>
-              <a:rPr lang="en-GB" sz="2200" spc="-1" dirty="0">
+              <a:rPr lang="en-GB" sz="2000" spc="-1" dirty="0">
                 <a:solidFill>
                   <a:schemeClr val="tx1">
                     <a:lumMod val="50000"/>
@@ -2626,7 +2626,7 @@
               <a:t>; status: </a:t>
             </a:r>
             <a:r>
-              <a:rPr lang="en-GB" sz="2200" b="1" spc="-1" dirty="0">
+              <a:rPr lang="en-GB" sz="2000" b="1" spc="-1" dirty="0">
                 <a:solidFill>
                   <a:schemeClr val="tx1">
                     <a:lumMod val="50000"/>
@@ -2651,7 +2651,7 @@
               <a:buChar char="•"/>
             </a:pPr>
             <a:r>
-              <a:rPr lang="en-US" sz="2200" spc="-1" dirty="0">
+              <a:rPr lang="en-US" sz="2000" spc="-1" dirty="0">
                 <a:solidFill>
                   <a:schemeClr val="tx1">
                     <a:lumMod val="50000"/>
@@ -2676,7 +2676,7 @@
               </a:tabLst>
             </a:pPr>
             <a:r>
-              <a:rPr lang="en-US" sz="2200" spc="-1" dirty="0">
+              <a:rPr lang="en-US" sz="2000" spc="-1" dirty="0">
                 <a:solidFill>
                   <a:schemeClr val="tx1">
                     <a:lumMod val="50000"/>
@@ -2689,7 +2689,7 @@
               <a:t>Accepted as general problem </a:t>
             </a:r>
             <a:r>
-              <a:rPr lang="en-US" sz="2200" spc="-1" dirty="0">
+              <a:rPr lang="en-US" sz="2000" spc="-1" dirty="0">
                 <a:solidFill>
                   <a:schemeClr val="tx1">
                     <a:lumMod val="50000"/>
@@ -2703,7 +2703,7 @@
               <a:t> general solution </a:t>
             </a:r>
             <a:r>
-              <a:rPr lang="en-US" sz="2200" spc="-1" dirty="0">
+              <a:rPr lang="en-US" sz="2000" spc="-1" dirty="0">
                 <a:solidFill>
                   <a:schemeClr val="tx1">
                     <a:lumMod val="50000"/>
@@ -2716,7 +2716,7 @@
               <a:t>addressed in new draft: [</a:t>
             </a:r>
             <a:r>
-              <a:rPr lang="en-US" sz="2200" spc="-1" dirty="0">
+              <a:rPr lang="en-US" sz="2000" spc="-1" dirty="0">
                 <a:solidFill>
                   <a:schemeClr val="tx1">
                     <a:lumMod val="50000"/>
@@ -2736,7 +2736,7 @@
               <a:t>BRSKI-Discovery</a:t>
             </a:r>
             <a:r>
-              <a:rPr lang="en-US" sz="2200" spc="-1" dirty="0">
+              <a:rPr lang="en-US" sz="2000" spc="-1" dirty="0">
                 <a:solidFill>
                   <a:schemeClr val="tx1">
                     <a:lumMod val="50000"/>
@@ -2761,7 +2761,7 @@
               </a:tabLst>
             </a:pPr>
             <a:r>
-              <a:rPr lang="en-US" sz="2200" spc="-1" dirty="0">
+              <a:rPr lang="en-US" sz="2000" spc="-1" dirty="0">
                 <a:solidFill>
                   <a:schemeClr val="tx1">
                     <a:lumMod val="50000"/>
@@ -2774,7 +2774,7 @@
               <a:t>Absence of general solution handled in BRSKI-AE by specific service name ”</a:t>
             </a:r>
             <a:r>
-              <a:rPr lang="en-US" sz="2200" spc="-1" dirty="0" err="1">
+              <a:rPr lang="en-US" sz="2000" spc="-1" dirty="0" err="1">
                 <a:solidFill>
                   <a:schemeClr val="tx1">
                     <a:lumMod val="50000"/>
@@ -2787,7 +2787,7 @@
               <a:t>brski</a:t>
             </a:r>
             <a:r>
-              <a:rPr lang="en-US" sz="2200" spc="-1" dirty="0">
+              <a:rPr lang="en-US" sz="2000" spc="-1" dirty="0">
                 <a:solidFill>
                   <a:schemeClr val="tx1">
                     <a:lumMod val="50000"/>
@@ -2800,7 +2800,7 @@
               <a:t>-registrar-</a:t>
             </a:r>
             <a:r>
-              <a:rPr lang="en-US" sz="2200" spc="-1" dirty="0" err="1">
+              <a:rPr lang="en-US" sz="2000" spc="-1" dirty="0" err="1">
                 <a:solidFill>
                   <a:schemeClr val="tx1">
                     <a:lumMod val="50000"/>
@@ -2813,7 +2813,7 @@
               <a:t>cmp</a:t>
             </a:r>
             <a:r>
-              <a:rPr lang="en-US" sz="2200" spc="-1" dirty="0">
+              <a:rPr lang="en-US" sz="2000" spc="-1" dirty="0">
                 <a:solidFill>
                   <a:schemeClr val="tx1">
                     <a:lumMod val="50000"/>
@@ -8669,12 +8669,16 @@
 </file>
 
 <file path=customXml/item1.xml><?xml version="1.0" encoding="utf-8"?>
-<?mso-contentType ?>
-<FormTemplates xmlns="http://schemas.microsoft.com/sharepoint/v3/contenttype/forms">
-  <Display>DocumentLibraryForm</Display>
-  <Edit>DocumentLibraryForm</Edit>
-  <New>DocumentLibraryForm</New>
-</FormTemplates>
+<p:properties xmlns:p="http://schemas.microsoft.com/office/2006/metadata/properties" xmlns:xsi="http://www.w3.org/2001/XMLSchema-instance" xmlns:pc="http://schemas.microsoft.com/office/infopath/2007/PartnerControls">
+  <documentManagement>
+    <_ip_UnifiedCompliancePolicyUIAction xmlns="http://schemas.microsoft.com/sharepoint/v3" xsi:nil="true"/>
+    <TaxCatchAll xmlns="56810815-8df0-4f10-8da7-34164765fbe3" xsi:nil="true"/>
+    <_ip_UnifiedCompliancePolicyProperties xmlns="http://schemas.microsoft.com/sharepoint/v3" xsi:nil="true"/>
+    <lcf76f155ced4ddcb4097134ff3c332f xmlns="a9de424c-86b2-47ed-8d4e-0a9b7010e669">
+      <Terms xmlns="http://schemas.microsoft.com/office/infopath/2007/PartnerControls"/>
+    </lcf76f155ced4ddcb4097134ff3c332f>
+  </documentManagement>
+</p:properties>
 </file>
 
 <file path=customXml/item2.xml><?xml version="1.0" encoding="utf-8"?>
@@ -8943,22 +8947,29 @@
 </file>
 
 <file path=customXml/item3.xml><?xml version="1.0" encoding="utf-8"?>
-<p:properties xmlns:p="http://schemas.microsoft.com/office/2006/metadata/properties" xmlns:xsi="http://www.w3.org/2001/XMLSchema-instance" xmlns:pc="http://schemas.microsoft.com/office/infopath/2007/PartnerControls">
-  <documentManagement>
-    <_ip_UnifiedCompliancePolicyUIAction xmlns="http://schemas.microsoft.com/sharepoint/v3" xsi:nil="true"/>
-    <TaxCatchAll xmlns="56810815-8df0-4f10-8da7-34164765fbe3" xsi:nil="true"/>
-    <_ip_UnifiedCompliancePolicyProperties xmlns="http://schemas.microsoft.com/sharepoint/v3" xsi:nil="true"/>
-    <lcf76f155ced4ddcb4097134ff3c332f xmlns="a9de424c-86b2-47ed-8d4e-0a9b7010e669">
-      <Terms xmlns="http://schemas.microsoft.com/office/infopath/2007/PartnerControls"/>
-    </lcf76f155ced4ddcb4097134ff3c332f>
-  </documentManagement>
-</p:properties>
+<?mso-contentType ?>
+<FormTemplates xmlns="http://schemas.microsoft.com/sharepoint/v3/contenttype/forms">
+  <Display>DocumentLibraryForm</Display>
+  <Edit>DocumentLibraryForm</Edit>
+  <New>DocumentLibraryForm</New>
+</FormTemplates>
 </file>
 
 <file path=customXml/itemProps1.xml><?xml version="1.0" encoding="utf-8"?>
-<ds:datastoreItem xmlns:ds="http://schemas.openxmlformats.org/officeDocument/2006/customXml" ds:itemID="{5C6BD9E7-C020-4AD1-A7ED-9C09B3AA4FEA}">
+<ds:datastoreItem xmlns:ds="http://schemas.openxmlformats.org/officeDocument/2006/customXml" ds:itemID="{C176CB81-6753-41D9-B160-D542CFFB89BA}">
   <ds:schemaRefs>
-    <ds:schemaRef ds:uri="http://schemas.microsoft.com/sharepoint/v3/contenttype/forms"/>
+    <ds:schemaRef ds:uri="a9de424c-86b2-47ed-8d4e-0a9b7010e669"/>
+    <ds:schemaRef ds:uri="ce079751-a51b-4a27-9376-edf93eae18d5"/>
+    <ds:schemaRef ds:uri="http://purl.org/dc/terms/"/>
+    <ds:schemaRef ds:uri="http://schemas.microsoft.com/office/2006/documentManagement/types"/>
+    <ds:schemaRef ds:uri="http://schemas.microsoft.com/office/infopath/2007/PartnerControls"/>
+    <ds:schemaRef ds:uri="http://schemas.openxmlformats.org/package/2006/metadata/core-properties"/>
+    <ds:schemaRef ds:uri="http://purl.org/dc/elements/1.1/"/>
+    <ds:schemaRef ds:uri="http://schemas.microsoft.com/office/2006/metadata/properties"/>
+    <ds:schemaRef ds:uri="http://schemas.microsoft.com/sharepoint/v3"/>
+    <ds:schemaRef ds:uri="56810815-8df0-4f10-8da7-34164765fbe3"/>
+    <ds:schemaRef ds:uri="http://www.w3.org/XML/1998/namespace"/>
+    <ds:schemaRef ds:uri="http://purl.org/dc/dcmitype/"/>
   </ds:schemaRefs>
 </ds:datastoreItem>
 </file>
@@ -8985,20 +8996,9 @@
 </file>
 
 <file path=customXml/itemProps3.xml><?xml version="1.0" encoding="utf-8"?>
-<ds:datastoreItem xmlns:ds="http://schemas.openxmlformats.org/officeDocument/2006/customXml" ds:itemID="{C176CB81-6753-41D9-B160-D542CFFB89BA}">
+<ds:datastoreItem xmlns:ds="http://schemas.openxmlformats.org/officeDocument/2006/customXml" ds:itemID="{5C6BD9E7-C020-4AD1-A7ED-9C09B3AA4FEA}">
   <ds:schemaRefs>
-    <ds:schemaRef ds:uri="a9de424c-86b2-47ed-8d4e-0a9b7010e669"/>
-    <ds:schemaRef ds:uri="ce079751-a51b-4a27-9376-edf93eae18d5"/>
-    <ds:schemaRef ds:uri="http://purl.org/dc/terms/"/>
-    <ds:schemaRef ds:uri="http://schemas.microsoft.com/office/2006/documentManagement/types"/>
-    <ds:schemaRef ds:uri="http://schemas.microsoft.com/office/infopath/2007/PartnerControls"/>
-    <ds:schemaRef ds:uri="http://schemas.openxmlformats.org/package/2006/metadata/core-properties"/>
-    <ds:schemaRef ds:uri="http://purl.org/dc/elements/1.1/"/>
-    <ds:schemaRef ds:uri="http://schemas.microsoft.com/office/2006/metadata/properties"/>
-    <ds:schemaRef ds:uri="http://schemas.microsoft.com/sharepoint/v3"/>
-    <ds:schemaRef ds:uri="56810815-8df0-4f10-8da7-34164765fbe3"/>
-    <ds:schemaRef ds:uri="http://www.w3.org/XML/1998/namespace"/>
-    <ds:schemaRef ds:uri="http://purl.org/dc/dcmitype/"/>
+    <ds:schemaRef ds:uri="http://schemas.microsoft.com/sharepoint/v3/contenttype/forms"/>
   </ds:schemaRefs>
 </ds:datastoreItem>
 </file>
